--- a/viite-UI/manual/Presentation1.pptx
+++ b/viite-UI/manual/Presentation1.pptx
@@ -6,12 +6,13 @@
   </p:sldMasterIdLst>
   <p:sldIdLst>
     <p:sldId id="256" r:id="rId2"/>
+    <p:sldId id="257" r:id="rId3"/>
   </p:sldIdLst>
   <p:sldSz cx="12192000" cy="6858000"/>
   <p:notesSz cx="6858000" cy="9144000"/>
   <p:defaultTextStyle>
     <a:defPPr>
-      <a:defRPr lang="en-US"/>
+      <a:defRPr lang="fi-FI"/>
     </a:defPPr>
     <a:lvl1pPr marL="0" algn="l" defTabSz="914400" rtl="0" eaLnBrk="1" latinLnBrk="0" hangingPunct="1">
       <a:defRPr sz="1800" kern="1200">
@@ -152,7 +153,7 @@
               <a:rPr lang="en-US" smtClean="0"/>
               <a:t>Click to edit Master title style</a:t>
             </a:r>
-            <a:endParaRPr lang="en-US"/>
+            <a:endParaRPr lang="fi-FI"/>
           </a:p>
         </p:txBody>
       </p:sp>
@@ -217,7 +218,7 @@
               <a:rPr lang="en-US" smtClean="0"/>
               <a:t>Click to edit Master subtitle style</a:t>
             </a:r>
-            <a:endParaRPr lang="en-US"/>
+            <a:endParaRPr lang="fi-FI"/>
           </a:p>
         </p:txBody>
       </p:sp>
@@ -236,11 +237,11 @@
           <a:bodyPr/>
           <a:lstStyle/>
           <a:p>
-            <a:fld id="{D3B6C589-7313-4E4B-8515-13C1DBFD88ED}" type="datetimeFigureOut">
-              <a:rPr lang="en-US" smtClean="0"/>
-              <a:t>10/11/2016</a:t>
+            <a:fld id="{3BC1F2FB-4D09-4C81-A1CC-B48E914D5ADF}" type="datetimeFigureOut">
+              <a:rPr lang="fi-FI" smtClean="0"/>
+              <a:t>20.3.2019</a:t>
             </a:fld>
-            <a:endParaRPr lang="en-US"/>
+            <a:endParaRPr lang="fi-FI"/>
           </a:p>
         </p:txBody>
       </p:sp>
@@ -259,7 +260,7 @@
           <a:bodyPr/>
           <a:lstStyle/>
           <a:p>
-            <a:endParaRPr lang="en-US"/>
+            <a:endParaRPr lang="fi-FI"/>
           </a:p>
         </p:txBody>
       </p:sp>
@@ -278,18 +279,18 @@
           <a:bodyPr/>
           <a:lstStyle/>
           <a:p>
-            <a:fld id="{ECA82721-243F-4239-B1D9-6B03447E17CB}" type="slidenum">
-              <a:rPr lang="en-US" smtClean="0"/>
+            <a:fld id="{236D8429-6163-4321-9237-56E1822971A9}" type="slidenum">
+              <a:rPr lang="fi-FI" smtClean="0"/>
               <a:t>‹#›</a:t>
             </a:fld>
-            <a:endParaRPr lang="en-US"/>
+            <a:endParaRPr lang="fi-FI"/>
           </a:p>
         </p:txBody>
       </p:sp>
     </p:spTree>
     <p:extLst>
       <p:ext uri="{BB962C8B-B14F-4D97-AF65-F5344CB8AC3E}">
-        <p14:creationId xmlns:p14="http://schemas.microsoft.com/office/powerpoint/2010/main" val="3758973516"/>
+        <p14:creationId xmlns:p14="http://schemas.microsoft.com/office/powerpoint/2010/main" val="982640602"/>
       </p:ext>
     </p:extLst>
   </p:cSld>
@@ -335,7 +336,7 @@
               <a:rPr lang="en-US" smtClean="0"/>
               <a:t>Click to edit Master title style</a:t>
             </a:r>
-            <a:endParaRPr lang="en-US"/>
+            <a:endParaRPr lang="fi-FI"/>
           </a:p>
         </p:txBody>
       </p:sp>
@@ -357,7 +358,7 @@
             <a:pPr lvl="0"/>
             <a:r>
               <a:rPr lang="en-US" smtClean="0"/>
-              <a:t>Click to edit Master text styles</a:t>
+              <a:t>Edit Master text styles</a:t>
             </a:r>
           </a:p>
           <a:p>
@@ -387,7 +388,7 @@
               <a:rPr lang="en-US" smtClean="0"/>
               <a:t>Fifth level</a:t>
             </a:r>
-            <a:endParaRPr lang="en-US"/>
+            <a:endParaRPr lang="fi-FI"/>
           </a:p>
         </p:txBody>
       </p:sp>
@@ -406,11 +407,11 @@
           <a:bodyPr/>
           <a:lstStyle/>
           <a:p>
-            <a:fld id="{D3B6C589-7313-4E4B-8515-13C1DBFD88ED}" type="datetimeFigureOut">
-              <a:rPr lang="en-US" smtClean="0"/>
-              <a:t>10/11/2016</a:t>
+            <a:fld id="{3BC1F2FB-4D09-4C81-A1CC-B48E914D5ADF}" type="datetimeFigureOut">
+              <a:rPr lang="fi-FI" smtClean="0"/>
+              <a:t>20.3.2019</a:t>
             </a:fld>
-            <a:endParaRPr lang="en-US"/>
+            <a:endParaRPr lang="fi-FI"/>
           </a:p>
         </p:txBody>
       </p:sp>
@@ -429,7 +430,7 @@
           <a:bodyPr/>
           <a:lstStyle/>
           <a:p>
-            <a:endParaRPr lang="en-US"/>
+            <a:endParaRPr lang="fi-FI"/>
           </a:p>
         </p:txBody>
       </p:sp>
@@ -448,18 +449,18 @@
           <a:bodyPr/>
           <a:lstStyle/>
           <a:p>
-            <a:fld id="{ECA82721-243F-4239-B1D9-6B03447E17CB}" type="slidenum">
-              <a:rPr lang="en-US" smtClean="0"/>
+            <a:fld id="{236D8429-6163-4321-9237-56E1822971A9}" type="slidenum">
+              <a:rPr lang="fi-FI" smtClean="0"/>
               <a:t>‹#›</a:t>
             </a:fld>
-            <a:endParaRPr lang="en-US"/>
+            <a:endParaRPr lang="fi-FI"/>
           </a:p>
         </p:txBody>
       </p:sp>
     </p:spTree>
     <p:extLst>
       <p:ext uri="{BB962C8B-B14F-4D97-AF65-F5344CB8AC3E}">
-        <p14:creationId xmlns:p14="http://schemas.microsoft.com/office/powerpoint/2010/main" val="2240872261"/>
+        <p14:creationId xmlns:p14="http://schemas.microsoft.com/office/powerpoint/2010/main" val="605862145"/>
       </p:ext>
     </p:extLst>
   </p:cSld>
@@ -510,7 +511,7 @@
               <a:rPr lang="en-US" smtClean="0"/>
               <a:t>Click to edit Master title style</a:t>
             </a:r>
-            <a:endParaRPr lang="en-US"/>
+            <a:endParaRPr lang="fi-FI"/>
           </a:p>
         </p:txBody>
       </p:sp>
@@ -537,7 +538,7 @@
             <a:pPr lvl="0"/>
             <a:r>
               <a:rPr lang="en-US" smtClean="0"/>
-              <a:t>Click to edit Master text styles</a:t>
+              <a:t>Edit Master text styles</a:t>
             </a:r>
           </a:p>
           <a:p>
@@ -567,7 +568,7 @@
               <a:rPr lang="en-US" smtClean="0"/>
               <a:t>Fifth level</a:t>
             </a:r>
-            <a:endParaRPr lang="en-US"/>
+            <a:endParaRPr lang="fi-FI"/>
           </a:p>
         </p:txBody>
       </p:sp>
@@ -586,11 +587,11 @@
           <a:bodyPr/>
           <a:lstStyle/>
           <a:p>
-            <a:fld id="{D3B6C589-7313-4E4B-8515-13C1DBFD88ED}" type="datetimeFigureOut">
-              <a:rPr lang="en-US" smtClean="0"/>
-              <a:t>10/11/2016</a:t>
+            <a:fld id="{3BC1F2FB-4D09-4C81-A1CC-B48E914D5ADF}" type="datetimeFigureOut">
+              <a:rPr lang="fi-FI" smtClean="0"/>
+              <a:t>20.3.2019</a:t>
             </a:fld>
-            <a:endParaRPr lang="en-US"/>
+            <a:endParaRPr lang="fi-FI"/>
           </a:p>
         </p:txBody>
       </p:sp>
@@ -609,7 +610,7 @@
           <a:bodyPr/>
           <a:lstStyle/>
           <a:p>
-            <a:endParaRPr lang="en-US"/>
+            <a:endParaRPr lang="fi-FI"/>
           </a:p>
         </p:txBody>
       </p:sp>
@@ -628,18 +629,18 @@
           <a:bodyPr/>
           <a:lstStyle/>
           <a:p>
-            <a:fld id="{ECA82721-243F-4239-B1D9-6B03447E17CB}" type="slidenum">
-              <a:rPr lang="en-US" smtClean="0"/>
+            <a:fld id="{236D8429-6163-4321-9237-56E1822971A9}" type="slidenum">
+              <a:rPr lang="fi-FI" smtClean="0"/>
               <a:t>‹#›</a:t>
             </a:fld>
-            <a:endParaRPr lang="en-US"/>
+            <a:endParaRPr lang="fi-FI"/>
           </a:p>
         </p:txBody>
       </p:sp>
     </p:spTree>
     <p:extLst>
       <p:ext uri="{BB962C8B-B14F-4D97-AF65-F5344CB8AC3E}">
-        <p14:creationId xmlns:p14="http://schemas.microsoft.com/office/powerpoint/2010/main" val="2507949228"/>
+        <p14:creationId xmlns:p14="http://schemas.microsoft.com/office/powerpoint/2010/main" val="3422220287"/>
       </p:ext>
     </p:extLst>
   </p:cSld>
@@ -685,7 +686,7 @@
               <a:rPr lang="en-US" smtClean="0"/>
               <a:t>Click to edit Master title style</a:t>
             </a:r>
-            <a:endParaRPr lang="en-US"/>
+            <a:endParaRPr lang="fi-FI"/>
           </a:p>
         </p:txBody>
       </p:sp>
@@ -707,7 +708,7 @@
             <a:pPr lvl="0"/>
             <a:r>
               <a:rPr lang="en-US" smtClean="0"/>
-              <a:t>Click to edit Master text styles</a:t>
+              <a:t>Edit Master text styles</a:t>
             </a:r>
           </a:p>
           <a:p>
@@ -737,7 +738,7 @@
               <a:rPr lang="en-US" smtClean="0"/>
               <a:t>Fifth level</a:t>
             </a:r>
-            <a:endParaRPr lang="en-US"/>
+            <a:endParaRPr lang="fi-FI"/>
           </a:p>
         </p:txBody>
       </p:sp>
@@ -756,11 +757,11 @@
           <a:bodyPr/>
           <a:lstStyle/>
           <a:p>
-            <a:fld id="{D3B6C589-7313-4E4B-8515-13C1DBFD88ED}" type="datetimeFigureOut">
-              <a:rPr lang="en-US" smtClean="0"/>
-              <a:t>10/11/2016</a:t>
+            <a:fld id="{3BC1F2FB-4D09-4C81-A1CC-B48E914D5ADF}" type="datetimeFigureOut">
+              <a:rPr lang="fi-FI" smtClean="0"/>
+              <a:t>20.3.2019</a:t>
             </a:fld>
-            <a:endParaRPr lang="en-US"/>
+            <a:endParaRPr lang="fi-FI"/>
           </a:p>
         </p:txBody>
       </p:sp>
@@ -779,7 +780,7 @@
           <a:bodyPr/>
           <a:lstStyle/>
           <a:p>
-            <a:endParaRPr lang="en-US"/>
+            <a:endParaRPr lang="fi-FI"/>
           </a:p>
         </p:txBody>
       </p:sp>
@@ -798,18 +799,18 @@
           <a:bodyPr/>
           <a:lstStyle/>
           <a:p>
-            <a:fld id="{ECA82721-243F-4239-B1D9-6B03447E17CB}" type="slidenum">
-              <a:rPr lang="en-US" smtClean="0"/>
+            <a:fld id="{236D8429-6163-4321-9237-56E1822971A9}" type="slidenum">
+              <a:rPr lang="fi-FI" smtClean="0"/>
               <a:t>‹#›</a:t>
             </a:fld>
-            <a:endParaRPr lang="en-US"/>
+            <a:endParaRPr lang="fi-FI"/>
           </a:p>
         </p:txBody>
       </p:sp>
     </p:spTree>
     <p:extLst>
       <p:ext uri="{BB962C8B-B14F-4D97-AF65-F5344CB8AC3E}">
-        <p14:creationId xmlns:p14="http://schemas.microsoft.com/office/powerpoint/2010/main" val="1428797372"/>
+        <p14:creationId xmlns:p14="http://schemas.microsoft.com/office/powerpoint/2010/main" val="1904307475"/>
       </p:ext>
     </p:extLst>
   </p:cSld>
@@ -864,7 +865,7 @@
               <a:rPr lang="en-US" smtClean="0"/>
               <a:t>Click to edit Master title style</a:t>
             </a:r>
-            <a:endParaRPr lang="en-US"/>
+            <a:endParaRPr lang="fi-FI"/>
           </a:p>
         </p:txBody>
       </p:sp>
@@ -982,7 +983,7 @@
             <a:pPr lvl="0"/>
             <a:r>
               <a:rPr lang="en-US" smtClean="0"/>
-              <a:t>Click to edit Master text styles</a:t>
+              <a:t>Edit Master text styles</a:t>
             </a:r>
           </a:p>
         </p:txBody>
@@ -1002,11 +1003,11 @@
           <a:bodyPr/>
           <a:lstStyle/>
           <a:p>
-            <a:fld id="{D3B6C589-7313-4E4B-8515-13C1DBFD88ED}" type="datetimeFigureOut">
-              <a:rPr lang="en-US" smtClean="0"/>
-              <a:t>10/11/2016</a:t>
+            <a:fld id="{3BC1F2FB-4D09-4C81-A1CC-B48E914D5ADF}" type="datetimeFigureOut">
+              <a:rPr lang="fi-FI" smtClean="0"/>
+              <a:t>20.3.2019</a:t>
             </a:fld>
-            <a:endParaRPr lang="en-US"/>
+            <a:endParaRPr lang="fi-FI"/>
           </a:p>
         </p:txBody>
       </p:sp>
@@ -1025,7 +1026,7 @@
           <a:bodyPr/>
           <a:lstStyle/>
           <a:p>
-            <a:endParaRPr lang="en-US"/>
+            <a:endParaRPr lang="fi-FI"/>
           </a:p>
         </p:txBody>
       </p:sp>
@@ -1044,18 +1045,18 @@
           <a:bodyPr/>
           <a:lstStyle/>
           <a:p>
-            <a:fld id="{ECA82721-243F-4239-B1D9-6B03447E17CB}" type="slidenum">
-              <a:rPr lang="en-US" smtClean="0"/>
+            <a:fld id="{236D8429-6163-4321-9237-56E1822971A9}" type="slidenum">
+              <a:rPr lang="fi-FI" smtClean="0"/>
               <a:t>‹#›</a:t>
             </a:fld>
-            <a:endParaRPr lang="en-US"/>
+            <a:endParaRPr lang="fi-FI"/>
           </a:p>
         </p:txBody>
       </p:sp>
     </p:spTree>
     <p:extLst>
       <p:ext uri="{BB962C8B-B14F-4D97-AF65-F5344CB8AC3E}">
-        <p14:creationId xmlns:p14="http://schemas.microsoft.com/office/powerpoint/2010/main" val="634935881"/>
+        <p14:creationId xmlns:p14="http://schemas.microsoft.com/office/powerpoint/2010/main" val="2340335932"/>
       </p:ext>
     </p:extLst>
   </p:cSld>
@@ -1101,7 +1102,7 @@
               <a:rPr lang="en-US" smtClean="0"/>
               <a:t>Click to edit Master title style</a:t>
             </a:r>
-            <a:endParaRPr lang="en-US"/>
+            <a:endParaRPr lang="fi-FI"/>
           </a:p>
         </p:txBody>
       </p:sp>
@@ -1128,7 +1129,7 @@
             <a:pPr lvl="0"/>
             <a:r>
               <a:rPr lang="en-US" smtClean="0"/>
-              <a:t>Click to edit Master text styles</a:t>
+              <a:t>Edit Master text styles</a:t>
             </a:r>
           </a:p>
           <a:p>
@@ -1158,7 +1159,7 @@
               <a:rPr lang="en-US" smtClean="0"/>
               <a:t>Fifth level</a:t>
             </a:r>
-            <a:endParaRPr lang="en-US"/>
+            <a:endParaRPr lang="fi-FI"/>
           </a:p>
         </p:txBody>
       </p:sp>
@@ -1185,7 +1186,7 @@
             <a:pPr lvl="0"/>
             <a:r>
               <a:rPr lang="en-US" smtClean="0"/>
-              <a:t>Click to edit Master text styles</a:t>
+              <a:t>Edit Master text styles</a:t>
             </a:r>
           </a:p>
           <a:p>
@@ -1215,7 +1216,7 @@
               <a:rPr lang="en-US" smtClean="0"/>
               <a:t>Fifth level</a:t>
             </a:r>
-            <a:endParaRPr lang="en-US"/>
+            <a:endParaRPr lang="fi-FI"/>
           </a:p>
         </p:txBody>
       </p:sp>
@@ -1234,11 +1235,11 @@
           <a:bodyPr/>
           <a:lstStyle/>
           <a:p>
-            <a:fld id="{D3B6C589-7313-4E4B-8515-13C1DBFD88ED}" type="datetimeFigureOut">
-              <a:rPr lang="en-US" smtClean="0"/>
-              <a:t>10/11/2016</a:t>
+            <a:fld id="{3BC1F2FB-4D09-4C81-A1CC-B48E914D5ADF}" type="datetimeFigureOut">
+              <a:rPr lang="fi-FI" smtClean="0"/>
+              <a:t>20.3.2019</a:t>
             </a:fld>
-            <a:endParaRPr lang="en-US"/>
+            <a:endParaRPr lang="fi-FI"/>
           </a:p>
         </p:txBody>
       </p:sp>
@@ -1257,7 +1258,7 @@
           <a:bodyPr/>
           <a:lstStyle/>
           <a:p>
-            <a:endParaRPr lang="en-US"/>
+            <a:endParaRPr lang="fi-FI"/>
           </a:p>
         </p:txBody>
       </p:sp>
@@ -1276,18 +1277,18 @@
           <a:bodyPr/>
           <a:lstStyle/>
           <a:p>
-            <a:fld id="{ECA82721-243F-4239-B1D9-6B03447E17CB}" type="slidenum">
-              <a:rPr lang="en-US" smtClean="0"/>
+            <a:fld id="{236D8429-6163-4321-9237-56E1822971A9}" type="slidenum">
+              <a:rPr lang="fi-FI" smtClean="0"/>
               <a:t>‹#›</a:t>
             </a:fld>
-            <a:endParaRPr lang="en-US"/>
+            <a:endParaRPr lang="fi-FI"/>
           </a:p>
         </p:txBody>
       </p:sp>
     </p:spTree>
     <p:extLst>
       <p:ext uri="{BB962C8B-B14F-4D97-AF65-F5344CB8AC3E}">
-        <p14:creationId xmlns:p14="http://schemas.microsoft.com/office/powerpoint/2010/main" val="2144812686"/>
+        <p14:creationId xmlns:p14="http://schemas.microsoft.com/office/powerpoint/2010/main" val="4276583388"/>
       </p:ext>
     </p:extLst>
   </p:cSld>
@@ -1338,7 +1339,7 @@
               <a:rPr lang="en-US" smtClean="0"/>
               <a:t>Click to edit Master title style</a:t>
             </a:r>
-            <a:endParaRPr lang="en-US"/>
+            <a:endParaRPr lang="fi-FI"/>
           </a:p>
         </p:txBody>
       </p:sp>
@@ -1402,7 +1403,7 @@
             <a:pPr lvl="0"/>
             <a:r>
               <a:rPr lang="en-US" smtClean="0"/>
-              <a:t>Click to edit Master text styles</a:t>
+              <a:t>Edit Master text styles</a:t>
             </a:r>
           </a:p>
         </p:txBody>
@@ -1430,7 +1431,7 @@
             <a:pPr lvl="0"/>
             <a:r>
               <a:rPr lang="en-US" smtClean="0"/>
-              <a:t>Click to edit Master text styles</a:t>
+              <a:t>Edit Master text styles</a:t>
             </a:r>
           </a:p>
           <a:p>
@@ -1460,7 +1461,7 @@
               <a:rPr lang="en-US" smtClean="0"/>
               <a:t>Fifth level</a:t>
             </a:r>
-            <a:endParaRPr lang="en-US"/>
+            <a:endParaRPr lang="fi-FI"/>
           </a:p>
         </p:txBody>
       </p:sp>
@@ -1524,7 +1525,7 @@
             <a:pPr lvl="0"/>
             <a:r>
               <a:rPr lang="en-US" smtClean="0"/>
-              <a:t>Click to edit Master text styles</a:t>
+              <a:t>Edit Master text styles</a:t>
             </a:r>
           </a:p>
         </p:txBody>
@@ -1552,7 +1553,7 @@
             <a:pPr lvl="0"/>
             <a:r>
               <a:rPr lang="en-US" smtClean="0"/>
-              <a:t>Click to edit Master text styles</a:t>
+              <a:t>Edit Master text styles</a:t>
             </a:r>
           </a:p>
           <a:p>
@@ -1582,7 +1583,7 @@
               <a:rPr lang="en-US" smtClean="0"/>
               <a:t>Fifth level</a:t>
             </a:r>
-            <a:endParaRPr lang="en-US"/>
+            <a:endParaRPr lang="fi-FI"/>
           </a:p>
         </p:txBody>
       </p:sp>
@@ -1601,11 +1602,11 @@
           <a:bodyPr/>
           <a:lstStyle/>
           <a:p>
-            <a:fld id="{D3B6C589-7313-4E4B-8515-13C1DBFD88ED}" type="datetimeFigureOut">
-              <a:rPr lang="en-US" smtClean="0"/>
-              <a:t>10/11/2016</a:t>
+            <a:fld id="{3BC1F2FB-4D09-4C81-A1CC-B48E914D5ADF}" type="datetimeFigureOut">
+              <a:rPr lang="fi-FI" smtClean="0"/>
+              <a:t>20.3.2019</a:t>
             </a:fld>
-            <a:endParaRPr lang="en-US"/>
+            <a:endParaRPr lang="fi-FI"/>
           </a:p>
         </p:txBody>
       </p:sp>
@@ -1624,7 +1625,7 @@
           <a:bodyPr/>
           <a:lstStyle/>
           <a:p>
-            <a:endParaRPr lang="en-US"/>
+            <a:endParaRPr lang="fi-FI"/>
           </a:p>
         </p:txBody>
       </p:sp>
@@ -1643,18 +1644,18 @@
           <a:bodyPr/>
           <a:lstStyle/>
           <a:p>
-            <a:fld id="{ECA82721-243F-4239-B1D9-6B03447E17CB}" type="slidenum">
-              <a:rPr lang="en-US" smtClean="0"/>
+            <a:fld id="{236D8429-6163-4321-9237-56E1822971A9}" type="slidenum">
+              <a:rPr lang="fi-FI" smtClean="0"/>
               <a:t>‹#›</a:t>
             </a:fld>
-            <a:endParaRPr lang="en-US"/>
+            <a:endParaRPr lang="fi-FI"/>
           </a:p>
         </p:txBody>
       </p:sp>
     </p:spTree>
     <p:extLst>
       <p:ext uri="{BB962C8B-B14F-4D97-AF65-F5344CB8AC3E}">
-        <p14:creationId xmlns:p14="http://schemas.microsoft.com/office/powerpoint/2010/main" val="1775206702"/>
+        <p14:creationId xmlns:p14="http://schemas.microsoft.com/office/powerpoint/2010/main" val="3961276160"/>
       </p:ext>
     </p:extLst>
   </p:cSld>
@@ -1700,7 +1701,7 @@
               <a:rPr lang="en-US" smtClean="0"/>
               <a:t>Click to edit Master title style</a:t>
             </a:r>
-            <a:endParaRPr lang="en-US"/>
+            <a:endParaRPr lang="fi-FI"/>
           </a:p>
         </p:txBody>
       </p:sp>
@@ -1719,11 +1720,11 @@
           <a:bodyPr/>
           <a:lstStyle/>
           <a:p>
-            <a:fld id="{D3B6C589-7313-4E4B-8515-13C1DBFD88ED}" type="datetimeFigureOut">
-              <a:rPr lang="en-US" smtClean="0"/>
-              <a:t>10/11/2016</a:t>
+            <a:fld id="{3BC1F2FB-4D09-4C81-A1CC-B48E914D5ADF}" type="datetimeFigureOut">
+              <a:rPr lang="fi-FI" smtClean="0"/>
+              <a:t>20.3.2019</a:t>
             </a:fld>
-            <a:endParaRPr lang="en-US"/>
+            <a:endParaRPr lang="fi-FI"/>
           </a:p>
         </p:txBody>
       </p:sp>
@@ -1742,7 +1743,7 @@
           <a:bodyPr/>
           <a:lstStyle/>
           <a:p>
-            <a:endParaRPr lang="en-US"/>
+            <a:endParaRPr lang="fi-FI"/>
           </a:p>
         </p:txBody>
       </p:sp>
@@ -1761,18 +1762,18 @@
           <a:bodyPr/>
           <a:lstStyle/>
           <a:p>
-            <a:fld id="{ECA82721-243F-4239-B1D9-6B03447E17CB}" type="slidenum">
-              <a:rPr lang="en-US" smtClean="0"/>
+            <a:fld id="{236D8429-6163-4321-9237-56E1822971A9}" type="slidenum">
+              <a:rPr lang="fi-FI" smtClean="0"/>
               <a:t>‹#›</a:t>
             </a:fld>
-            <a:endParaRPr lang="en-US"/>
+            <a:endParaRPr lang="fi-FI"/>
           </a:p>
         </p:txBody>
       </p:sp>
     </p:spTree>
     <p:extLst>
       <p:ext uri="{BB962C8B-B14F-4D97-AF65-F5344CB8AC3E}">
-        <p14:creationId xmlns:p14="http://schemas.microsoft.com/office/powerpoint/2010/main" val="1971697390"/>
+        <p14:creationId xmlns:p14="http://schemas.microsoft.com/office/powerpoint/2010/main" val="1405423713"/>
       </p:ext>
     </p:extLst>
   </p:cSld>
@@ -1814,11 +1815,11 @@
           <a:bodyPr/>
           <a:lstStyle/>
           <a:p>
-            <a:fld id="{D3B6C589-7313-4E4B-8515-13C1DBFD88ED}" type="datetimeFigureOut">
-              <a:rPr lang="en-US" smtClean="0"/>
-              <a:t>10/11/2016</a:t>
+            <a:fld id="{3BC1F2FB-4D09-4C81-A1CC-B48E914D5ADF}" type="datetimeFigureOut">
+              <a:rPr lang="fi-FI" smtClean="0"/>
+              <a:t>20.3.2019</a:t>
             </a:fld>
-            <a:endParaRPr lang="en-US"/>
+            <a:endParaRPr lang="fi-FI"/>
           </a:p>
         </p:txBody>
       </p:sp>
@@ -1837,7 +1838,7 @@
           <a:bodyPr/>
           <a:lstStyle/>
           <a:p>
-            <a:endParaRPr lang="en-US"/>
+            <a:endParaRPr lang="fi-FI"/>
           </a:p>
         </p:txBody>
       </p:sp>
@@ -1856,18 +1857,18 @@
           <a:bodyPr/>
           <a:lstStyle/>
           <a:p>
-            <a:fld id="{ECA82721-243F-4239-B1D9-6B03447E17CB}" type="slidenum">
-              <a:rPr lang="en-US" smtClean="0"/>
+            <a:fld id="{236D8429-6163-4321-9237-56E1822971A9}" type="slidenum">
+              <a:rPr lang="fi-FI" smtClean="0"/>
               <a:t>‹#›</a:t>
             </a:fld>
-            <a:endParaRPr lang="en-US"/>
+            <a:endParaRPr lang="fi-FI"/>
           </a:p>
         </p:txBody>
       </p:sp>
     </p:spTree>
     <p:extLst>
       <p:ext uri="{BB962C8B-B14F-4D97-AF65-F5344CB8AC3E}">
-        <p14:creationId xmlns:p14="http://schemas.microsoft.com/office/powerpoint/2010/main" val="1861856749"/>
+        <p14:creationId xmlns:p14="http://schemas.microsoft.com/office/powerpoint/2010/main" val="1115864885"/>
       </p:ext>
     </p:extLst>
   </p:cSld>
@@ -1922,7 +1923,7 @@
               <a:rPr lang="en-US" smtClean="0"/>
               <a:t>Click to edit Master title style</a:t>
             </a:r>
-            <a:endParaRPr lang="en-US"/>
+            <a:endParaRPr lang="fi-FI"/>
           </a:p>
         </p:txBody>
       </p:sp>
@@ -1977,7 +1978,7 @@
             <a:pPr lvl="0"/>
             <a:r>
               <a:rPr lang="en-US" smtClean="0"/>
-              <a:t>Click to edit Master text styles</a:t>
+              <a:t>Edit Master text styles</a:t>
             </a:r>
           </a:p>
           <a:p>
@@ -2007,7 +2008,7 @@
               <a:rPr lang="en-US" smtClean="0"/>
               <a:t>Fifth level</a:t>
             </a:r>
-            <a:endParaRPr lang="en-US"/>
+            <a:endParaRPr lang="fi-FI"/>
           </a:p>
         </p:txBody>
       </p:sp>
@@ -2071,7 +2072,7 @@
             <a:pPr lvl="0"/>
             <a:r>
               <a:rPr lang="en-US" smtClean="0"/>
-              <a:t>Click to edit Master text styles</a:t>
+              <a:t>Edit Master text styles</a:t>
             </a:r>
           </a:p>
         </p:txBody>
@@ -2091,11 +2092,11 @@
           <a:bodyPr/>
           <a:lstStyle/>
           <a:p>
-            <a:fld id="{D3B6C589-7313-4E4B-8515-13C1DBFD88ED}" type="datetimeFigureOut">
-              <a:rPr lang="en-US" smtClean="0"/>
-              <a:t>10/11/2016</a:t>
+            <a:fld id="{3BC1F2FB-4D09-4C81-A1CC-B48E914D5ADF}" type="datetimeFigureOut">
+              <a:rPr lang="fi-FI" smtClean="0"/>
+              <a:t>20.3.2019</a:t>
             </a:fld>
-            <a:endParaRPr lang="en-US"/>
+            <a:endParaRPr lang="fi-FI"/>
           </a:p>
         </p:txBody>
       </p:sp>
@@ -2114,7 +2115,7 @@
           <a:bodyPr/>
           <a:lstStyle/>
           <a:p>
-            <a:endParaRPr lang="en-US"/>
+            <a:endParaRPr lang="fi-FI"/>
           </a:p>
         </p:txBody>
       </p:sp>
@@ -2133,18 +2134,18 @@
           <a:bodyPr/>
           <a:lstStyle/>
           <a:p>
-            <a:fld id="{ECA82721-243F-4239-B1D9-6B03447E17CB}" type="slidenum">
-              <a:rPr lang="en-US" smtClean="0"/>
+            <a:fld id="{236D8429-6163-4321-9237-56E1822971A9}" type="slidenum">
+              <a:rPr lang="fi-FI" smtClean="0"/>
               <a:t>‹#›</a:t>
             </a:fld>
-            <a:endParaRPr lang="en-US"/>
+            <a:endParaRPr lang="fi-FI"/>
           </a:p>
         </p:txBody>
       </p:sp>
     </p:spTree>
     <p:extLst>
       <p:ext uri="{BB962C8B-B14F-4D97-AF65-F5344CB8AC3E}">
-        <p14:creationId xmlns:p14="http://schemas.microsoft.com/office/powerpoint/2010/main" val="1349279794"/>
+        <p14:creationId xmlns:p14="http://schemas.microsoft.com/office/powerpoint/2010/main" val="3604832438"/>
       </p:ext>
     </p:extLst>
   </p:cSld>
@@ -2199,7 +2200,7 @@
               <a:rPr lang="en-US" smtClean="0"/>
               <a:t>Click to edit Master title style</a:t>
             </a:r>
-            <a:endParaRPr lang="en-US"/>
+            <a:endParaRPr lang="fi-FI"/>
           </a:p>
         </p:txBody>
       </p:sp>
@@ -2260,7 +2261,7 @@
             </a:lvl9pPr>
           </a:lstStyle>
           <a:p>
-            <a:endParaRPr lang="en-US"/>
+            <a:endParaRPr lang="fi-FI"/>
           </a:p>
         </p:txBody>
       </p:sp>
@@ -2324,7 +2325,7 @@
             <a:pPr lvl="0"/>
             <a:r>
               <a:rPr lang="en-US" smtClean="0"/>
-              <a:t>Click to edit Master text styles</a:t>
+              <a:t>Edit Master text styles</a:t>
             </a:r>
           </a:p>
         </p:txBody>
@@ -2344,11 +2345,11 @@
           <a:bodyPr/>
           <a:lstStyle/>
           <a:p>
-            <a:fld id="{D3B6C589-7313-4E4B-8515-13C1DBFD88ED}" type="datetimeFigureOut">
-              <a:rPr lang="en-US" smtClean="0"/>
-              <a:t>10/11/2016</a:t>
+            <a:fld id="{3BC1F2FB-4D09-4C81-A1CC-B48E914D5ADF}" type="datetimeFigureOut">
+              <a:rPr lang="fi-FI" smtClean="0"/>
+              <a:t>20.3.2019</a:t>
             </a:fld>
-            <a:endParaRPr lang="en-US"/>
+            <a:endParaRPr lang="fi-FI"/>
           </a:p>
         </p:txBody>
       </p:sp>
@@ -2367,7 +2368,7 @@
           <a:bodyPr/>
           <a:lstStyle/>
           <a:p>
-            <a:endParaRPr lang="en-US"/>
+            <a:endParaRPr lang="fi-FI"/>
           </a:p>
         </p:txBody>
       </p:sp>
@@ -2386,18 +2387,18 @@
           <a:bodyPr/>
           <a:lstStyle/>
           <a:p>
-            <a:fld id="{ECA82721-243F-4239-B1D9-6B03447E17CB}" type="slidenum">
-              <a:rPr lang="en-US" smtClean="0"/>
+            <a:fld id="{236D8429-6163-4321-9237-56E1822971A9}" type="slidenum">
+              <a:rPr lang="fi-FI" smtClean="0"/>
               <a:t>‹#›</a:t>
             </a:fld>
-            <a:endParaRPr lang="en-US"/>
+            <a:endParaRPr lang="fi-FI"/>
           </a:p>
         </p:txBody>
       </p:sp>
     </p:spTree>
     <p:extLst>
       <p:ext uri="{BB962C8B-B14F-4D97-AF65-F5344CB8AC3E}">
-        <p14:creationId xmlns:p14="http://schemas.microsoft.com/office/powerpoint/2010/main" val="2543850254"/>
+        <p14:creationId xmlns:p14="http://schemas.microsoft.com/office/powerpoint/2010/main" val="1926230283"/>
       </p:ext>
     </p:extLst>
   </p:cSld>
@@ -2458,7 +2459,7 @@
               <a:rPr lang="en-US" smtClean="0"/>
               <a:t>Click to edit Master title style</a:t>
             </a:r>
-            <a:endParaRPr lang="en-US"/>
+            <a:endParaRPr lang="fi-FI"/>
           </a:p>
         </p:txBody>
       </p:sp>
@@ -2490,7 +2491,7 @@
             <a:pPr lvl="0"/>
             <a:r>
               <a:rPr lang="en-US" smtClean="0"/>
-              <a:t>Click to edit Master text styles</a:t>
+              <a:t>Edit Master text styles</a:t>
             </a:r>
           </a:p>
           <a:p>
@@ -2520,7 +2521,7 @@
               <a:rPr lang="en-US" smtClean="0"/>
               <a:t>Fifth level</a:t>
             </a:r>
-            <a:endParaRPr lang="en-US"/>
+            <a:endParaRPr lang="fi-FI"/>
           </a:p>
         </p:txBody>
       </p:sp>
@@ -2557,11 +2558,11 @@
             </a:lvl1pPr>
           </a:lstStyle>
           <a:p>
-            <a:fld id="{D3B6C589-7313-4E4B-8515-13C1DBFD88ED}" type="datetimeFigureOut">
-              <a:rPr lang="en-US" smtClean="0"/>
-              <a:t>10/11/2016</a:t>
+            <a:fld id="{3BC1F2FB-4D09-4C81-A1CC-B48E914D5ADF}" type="datetimeFigureOut">
+              <a:rPr lang="fi-FI" smtClean="0"/>
+              <a:t>20.3.2019</a:t>
             </a:fld>
-            <a:endParaRPr lang="en-US"/>
+            <a:endParaRPr lang="fi-FI"/>
           </a:p>
         </p:txBody>
       </p:sp>
@@ -2598,7 +2599,7 @@
             </a:lvl1pPr>
           </a:lstStyle>
           <a:p>
-            <a:endParaRPr lang="en-US"/>
+            <a:endParaRPr lang="fi-FI"/>
           </a:p>
         </p:txBody>
       </p:sp>
@@ -2635,18 +2636,18 @@
             </a:lvl1pPr>
           </a:lstStyle>
           <a:p>
-            <a:fld id="{ECA82721-243F-4239-B1D9-6B03447E17CB}" type="slidenum">
-              <a:rPr lang="en-US" smtClean="0"/>
+            <a:fld id="{236D8429-6163-4321-9237-56E1822971A9}" type="slidenum">
+              <a:rPr lang="fi-FI" smtClean="0"/>
               <a:t>‹#›</a:t>
             </a:fld>
-            <a:endParaRPr lang="en-US"/>
+            <a:endParaRPr lang="fi-FI"/>
           </a:p>
         </p:txBody>
       </p:sp>
     </p:spTree>
     <p:extLst>
       <p:ext uri="{BB962C8B-B14F-4D97-AF65-F5344CB8AC3E}">
-        <p14:creationId xmlns:p14="http://schemas.microsoft.com/office/powerpoint/2010/main" val="95975713"/>
+        <p14:creationId xmlns:p14="http://schemas.microsoft.com/office/powerpoint/2010/main" val="2937009790"/>
       </p:ext>
     </p:extLst>
   </p:cSld>
@@ -2850,7 +2851,7 @@
     </p:bodyStyle>
     <p:otherStyle>
       <a:defPPr>
-        <a:defRPr lang="en-US"/>
+        <a:defRPr lang="fi-FI"/>
       </a:defPPr>
       <a:lvl1pPr marL="0" algn="l" defTabSz="914400" rtl="0" eaLnBrk="1" latinLnBrk="0" hangingPunct="1">
         <a:defRPr sz="1800" kern="1200">
@@ -2964,504 +2965,102 @@
           <a:chExt cx="0" cy="0"/>
         </a:xfrm>
       </p:grpSpPr>
+      <p:sp>
+        <p:nvSpPr>
+          <p:cNvPr id="2" name="Title 1"/>
+          <p:cNvSpPr>
+            <a:spLocks noGrp="1"/>
+          </p:cNvSpPr>
+          <p:nvPr>
+            <p:ph type="ctrTitle"/>
+          </p:nvPr>
+        </p:nvSpPr>
+        <p:spPr/>
+        <p:txBody>
+          <a:bodyPr/>
+          <a:lstStyle/>
+          <a:p>
+            <a:endParaRPr lang="fi-FI"/>
+          </a:p>
+        </p:txBody>
+      </p:sp>
+      <p:sp>
+        <p:nvSpPr>
+          <p:cNvPr id="3" name="Subtitle 2"/>
+          <p:cNvSpPr>
+            <a:spLocks noGrp="1"/>
+          </p:cNvSpPr>
+          <p:nvPr>
+            <p:ph type="subTitle" idx="1"/>
+          </p:nvPr>
+        </p:nvSpPr>
+        <p:spPr/>
+        <p:txBody>
+          <a:bodyPr/>
+          <a:lstStyle/>
+          <a:p>
+            <a:endParaRPr lang="fi-FI"/>
+          </a:p>
+        </p:txBody>
+      </p:sp>
+    </p:spTree>
+    <p:extLst>
+      <p:ext uri="{BB962C8B-B14F-4D97-AF65-F5344CB8AC3E}">
+        <p14:creationId xmlns:p14="http://schemas.microsoft.com/office/powerpoint/2010/main" val="15968341"/>
+      </p:ext>
+    </p:extLst>
+  </p:cSld>
+  <p:clrMapOvr>
+    <a:masterClrMapping/>
+  </p:clrMapOvr>
+</p:sld>
+</file>
+
+<file path=ppt/slides/slide2.xml><?xml version="1.0" encoding="utf-8"?>
+<p:sld xmlns:a="http://schemas.openxmlformats.org/drawingml/2006/main" xmlns:r="http://schemas.openxmlformats.org/officeDocument/2006/relationships" xmlns:p="http://schemas.openxmlformats.org/presentationml/2006/main">
+  <p:cSld>
+    <p:spTree>
+      <p:nvGrpSpPr>
+        <p:cNvPr id="1" name=""/>
+        <p:cNvGrpSpPr/>
+        <p:nvPr/>
+      </p:nvGrpSpPr>
+      <p:grpSpPr>
+        <a:xfrm>
+          <a:off x="0" y="0"/>
+          <a:ext cx="0" cy="0"/>
+          <a:chOff x="0" y="0"/>
+          <a:chExt cx="0" cy="0"/>
+        </a:xfrm>
+      </p:grpSpPr>
       <p:pic>
         <p:nvPicPr>
-          <p:cNvPr id="5" name="Picture 4"/>
+          <p:cNvPr id="2" name="Picture 1"/>
           <p:cNvPicPr>
             <a:picLocks noChangeAspect="1"/>
           </p:cNvPicPr>
           <p:nvPr/>
         </p:nvPicPr>
         <p:blipFill>
-          <a:blip r:embed="rId2">
-            <a:extLst>
-              <a:ext uri="{28A0092B-C50C-407E-A947-70E740481C1C}">
-                <a14:useLocalDpi xmlns:a14="http://schemas.microsoft.com/office/drawing/2010/main" val="0"/>
-              </a:ext>
-            </a:extLst>
-          </a:blip>
+          <a:blip r:embed="rId2"/>
           <a:stretch>
             <a:fillRect/>
           </a:stretch>
         </p:blipFill>
         <p:spPr>
           <a:xfrm>
-            <a:off x="39790" y="0"/>
-            <a:ext cx="12112422" cy="6858000"/>
+            <a:off x="-3033713" y="-1766888"/>
+            <a:ext cx="18259425" cy="10391775"/>
           </a:xfrm>
           <a:prstGeom prst="rect">
             <a:avLst/>
           </a:prstGeom>
         </p:spPr>
       </p:pic>
-      <p:sp>
-        <p:nvSpPr>
-          <p:cNvPr id="6" name="Oval 5"/>
-          <p:cNvSpPr/>
-          <p:nvPr/>
-        </p:nvSpPr>
-        <p:spPr>
-          <a:xfrm>
-            <a:off x="8983579" y="5751095"/>
-            <a:ext cx="320842" cy="328863"/>
-          </a:xfrm>
-          <a:prstGeom prst="ellipse">
-            <a:avLst/>
-          </a:prstGeom>
-          <a:noFill/>
-          <a:ln w="28575">
-            <a:solidFill>
-              <a:srgbClr val="FF0000"/>
-            </a:solidFill>
-          </a:ln>
-        </p:spPr>
-        <p:style>
-          <a:lnRef idx="2">
-            <a:schemeClr val="accent1">
-              <a:shade val="50000"/>
-            </a:schemeClr>
-          </a:lnRef>
-          <a:fillRef idx="1">
-            <a:schemeClr val="accent1"/>
-          </a:fillRef>
-          <a:effectRef idx="0">
-            <a:schemeClr val="accent1"/>
-          </a:effectRef>
-          <a:fontRef idx="minor">
-            <a:schemeClr val="lt1"/>
-          </a:fontRef>
-        </p:style>
-        <p:txBody>
-          <a:bodyPr rtlCol="0" anchor="ctr"/>
-          <a:lstStyle/>
-          <a:p>
-            <a:pPr algn="ctr"/>
-            <a:r>
-              <a:rPr lang="fi-FI" dirty="0" smtClean="0">
-                <a:solidFill>
-                  <a:srgbClr val="FF0000"/>
-                </a:solidFill>
-              </a:rPr>
-              <a:t>1</a:t>
-            </a:r>
-            <a:endParaRPr lang="en-US" dirty="0">
-              <a:solidFill>
-                <a:srgbClr val="FF0000"/>
-              </a:solidFill>
-            </a:endParaRPr>
-          </a:p>
-        </p:txBody>
-      </p:sp>
-      <p:sp>
-        <p:nvSpPr>
-          <p:cNvPr id="8" name="Oval 7"/>
-          <p:cNvSpPr/>
-          <p:nvPr/>
-        </p:nvSpPr>
-        <p:spPr>
-          <a:xfrm>
-            <a:off x="8277726" y="6132095"/>
-            <a:ext cx="320842" cy="328863"/>
-          </a:xfrm>
-          <a:prstGeom prst="ellipse">
-            <a:avLst/>
-          </a:prstGeom>
-          <a:noFill/>
-          <a:ln w="28575">
-            <a:solidFill>
-              <a:srgbClr val="FF0000"/>
-            </a:solidFill>
-          </a:ln>
-        </p:spPr>
-        <p:style>
-          <a:lnRef idx="2">
-            <a:schemeClr val="accent1">
-              <a:shade val="50000"/>
-            </a:schemeClr>
-          </a:lnRef>
-          <a:fillRef idx="1">
-            <a:schemeClr val="accent1"/>
-          </a:fillRef>
-          <a:effectRef idx="0">
-            <a:schemeClr val="accent1"/>
-          </a:effectRef>
-          <a:fontRef idx="minor">
-            <a:schemeClr val="lt1"/>
-          </a:fontRef>
-        </p:style>
-        <p:txBody>
-          <a:bodyPr rtlCol="0" anchor="ctr"/>
-          <a:lstStyle/>
-          <a:p>
-            <a:pPr algn="ctr"/>
-            <a:r>
-              <a:rPr lang="fi-FI" dirty="0" smtClean="0">
-                <a:solidFill>
-                  <a:srgbClr val="FF0000"/>
-                </a:solidFill>
-              </a:rPr>
-              <a:t>2</a:t>
-            </a:r>
-            <a:endParaRPr lang="en-US" dirty="0">
-              <a:solidFill>
-                <a:srgbClr val="FF0000"/>
-              </a:solidFill>
-            </a:endParaRPr>
-          </a:p>
-        </p:txBody>
-      </p:sp>
-      <p:sp>
-        <p:nvSpPr>
-          <p:cNvPr id="9" name="Oval 8"/>
-          <p:cNvSpPr/>
-          <p:nvPr/>
-        </p:nvSpPr>
-        <p:spPr>
-          <a:xfrm>
-            <a:off x="4748463" y="3356811"/>
-            <a:ext cx="320842" cy="328863"/>
-          </a:xfrm>
-          <a:prstGeom prst="ellipse">
-            <a:avLst/>
-          </a:prstGeom>
-          <a:noFill/>
-          <a:ln w="28575">
-            <a:solidFill>
-              <a:srgbClr val="FF0000"/>
-            </a:solidFill>
-          </a:ln>
-        </p:spPr>
-        <p:style>
-          <a:lnRef idx="2">
-            <a:schemeClr val="accent1">
-              <a:shade val="50000"/>
-            </a:schemeClr>
-          </a:lnRef>
-          <a:fillRef idx="1">
-            <a:schemeClr val="accent1"/>
-          </a:fillRef>
-          <a:effectRef idx="0">
-            <a:schemeClr val="accent1"/>
-          </a:effectRef>
-          <a:fontRef idx="minor">
-            <a:schemeClr val="lt1"/>
-          </a:fontRef>
-        </p:style>
-        <p:txBody>
-          <a:bodyPr rtlCol="0" anchor="ctr"/>
-          <a:lstStyle/>
-          <a:p>
-            <a:pPr algn="ctr"/>
-            <a:r>
-              <a:rPr lang="fi-FI" dirty="0" smtClean="0">
-                <a:solidFill>
-                  <a:srgbClr val="FF0000"/>
-                </a:solidFill>
-              </a:rPr>
-              <a:t>3</a:t>
-            </a:r>
-            <a:endParaRPr lang="en-US" dirty="0">
-              <a:solidFill>
-                <a:srgbClr val="FF0000"/>
-              </a:solidFill>
-            </a:endParaRPr>
-          </a:p>
-        </p:txBody>
-      </p:sp>
-      <p:sp>
-        <p:nvSpPr>
-          <p:cNvPr id="10" name="Oval 9"/>
-          <p:cNvSpPr/>
-          <p:nvPr/>
-        </p:nvSpPr>
-        <p:spPr>
-          <a:xfrm>
-            <a:off x="10579768" y="6296526"/>
-            <a:ext cx="320842" cy="328863"/>
-          </a:xfrm>
-          <a:prstGeom prst="ellipse">
-            <a:avLst/>
-          </a:prstGeom>
-          <a:noFill/>
-          <a:ln w="28575">
-            <a:solidFill>
-              <a:srgbClr val="FF0000"/>
-            </a:solidFill>
-          </a:ln>
-        </p:spPr>
-        <p:style>
-          <a:lnRef idx="2">
-            <a:schemeClr val="accent1">
-              <a:shade val="50000"/>
-            </a:schemeClr>
-          </a:lnRef>
-          <a:fillRef idx="1">
-            <a:schemeClr val="accent1"/>
-          </a:fillRef>
-          <a:effectRef idx="0">
-            <a:schemeClr val="accent1"/>
-          </a:effectRef>
-          <a:fontRef idx="minor">
-            <a:schemeClr val="lt1"/>
-          </a:fontRef>
-        </p:style>
-        <p:txBody>
-          <a:bodyPr rtlCol="0" anchor="ctr"/>
-          <a:lstStyle/>
-          <a:p>
-            <a:pPr algn="ctr"/>
-            <a:r>
-              <a:rPr lang="fi-FI" dirty="0" smtClean="0">
-                <a:solidFill>
-                  <a:srgbClr val="FF0000"/>
-                </a:solidFill>
-              </a:rPr>
-              <a:t>4</a:t>
-            </a:r>
-            <a:endParaRPr lang="en-US" dirty="0">
-              <a:solidFill>
-                <a:srgbClr val="FF0000"/>
-              </a:solidFill>
-            </a:endParaRPr>
-          </a:p>
-        </p:txBody>
-      </p:sp>
-      <p:sp>
-        <p:nvSpPr>
-          <p:cNvPr id="11" name="Oval 10"/>
-          <p:cNvSpPr/>
-          <p:nvPr/>
-        </p:nvSpPr>
-        <p:spPr>
-          <a:xfrm>
-            <a:off x="11718757" y="6292515"/>
-            <a:ext cx="320842" cy="328863"/>
-          </a:xfrm>
-          <a:prstGeom prst="ellipse">
-            <a:avLst/>
-          </a:prstGeom>
-          <a:noFill/>
-          <a:ln w="28575">
-            <a:solidFill>
-              <a:srgbClr val="FF0000"/>
-            </a:solidFill>
-          </a:ln>
-        </p:spPr>
-        <p:style>
-          <a:lnRef idx="2">
-            <a:schemeClr val="accent1">
-              <a:shade val="50000"/>
-            </a:schemeClr>
-          </a:lnRef>
-          <a:fillRef idx="1">
-            <a:schemeClr val="accent1"/>
-          </a:fillRef>
-          <a:effectRef idx="0">
-            <a:schemeClr val="accent1"/>
-          </a:effectRef>
-          <a:fontRef idx="minor">
-            <a:schemeClr val="lt1"/>
-          </a:fontRef>
-        </p:style>
-        <p:txBody>
-          <a:bodyPr rtlCol="0" anchor="ctr"/>
-          <a:lstStyle/>
-          <a:p>
-            <a:pPr algn="ctr"/>
-            <a:r>
-              <a:rPr lang="fi-FI" dirty="0" smtClean="0">
-                <a:solidFill>
-                  <a:srgbClr val="FF0000"/>
-                </a:solidFill>
-              </a:rPr>
-              <a:t>5</a:t>
-            </a:r>
-            <a:endParaRPr lang="en-US" dirty="0">
-              <a:solidFill>
-                <a:srgbClr val="FF0000"/>
-              </a:solidFill>
-            </a:endParaRPr>
-          </a:p>
-        </p:txBody>
-      </p:sp>
-      <p:sp>
-        <p:nvSpPr>
-          <p:cNvPr id="12" name="Oval 11"/>
-          <p:cNvSpPr/>
-          <p:nvPr/>
-        </p:nvSpPr>
-        <p:spPr>
-          <a:xfrm>
-            <a:off x="11205569" y="6276472"/>
-            <a:ext cx="320842" cy="328863"/>
-          </a:xfrm>
-          <a:prstGeom prst="ellipse">
-            <a:avLst/>
-          </a:prstGeom>
-          <a:noFill/>
-          <a:ln w="28575">
-            <a:solidFill>
-              <a:srgbClr val="FF0000"/>
-            </a:solidFill>
-          </a:ln>
-        </p:spPr>
-        <p:style>
-          <a:lnRef idx="2">
-            <a:schemeClr val="accent1">
-              <a:shade val="50000"/>
-            </a:schemeClr>
-          </a:lnRef>
-          <a:fillRef idx="1">
-            <a:schemeClr val="accent1"/>
-          </a:fillRef>
-          <a:effectRef idx="0">
-            <a:schemeClr val="accent1"/>
-          </a:effectRef>
-          <a:fontRef idx="minor">
-            <a:schemeClr val="lt1"/>
-          </a:fontRef>
-        </p:style>
-        <p:txBody>
-          <a:bodyPr rtlCol="0" anchor="ctr"/>
-          <a:lstStyle/>
-          <a:p>
-            <a:pPr algn="ctr"/>
-            <a:r>
-              <a:rPr lang="fi-FI" dirty="0" smtClean="0">
-                <a:solidFill>
-                  <a:srgbClr val="FF0000"/>
-                </a:solidFill>
-              </a:rPr>
-              <a:t>6</a:t>
-            </a:r>
-            <a:endParaRPr lang="en-US" dirty="0">
-              <a:solidFill>
-                <a:srgbClr val="FF0000"/>
-              </a:solidFill>
-            </a:endParaRPr>
-          </a:p>
-        </p:txBody>
-      </p:sp>
-      <p:sp>
-        <p:nvSpPr>
-          <p:cNvPr id="13" name="Oval 12"/>
-          <p:cNvSpPr/>
-          <p:nvPr/>
-        </p:nvSpPr>
-        <p:spPr>
-          <a:xfrm>
-            <a:off x="1010652" y="6276471"/>
-            <a:ext cx="320842" cy="328863"/>
-          </a:xfrm>
-          <a:prstGeom prst="ellipse">
-            <a:avLst/>
-          </a:prstGeom>
-          <a:noFill/>
-          <a:ln w="28575">
-            <a:solidFill>
-              <a:srgbClr val="FF0000"/>
-            </a:solidFill>
-          </a:ln>
-        </p:spPr>
-        <p:style>
-          <a:lnRef idx="2">
-            <a:schemeClr val="accent1">
-              <a:shade val="50000"/>
-            </a:schemeClr>
-          </a:lnRef>
-          <a:fillRef idx="1">
-            <a:schemeClr val="accent1"/>
-          </a:fillRef>
-          <a:effectRef idx="0">
-            <a:schemeClr val="accent1"/>
-          </a:effectRef>
-          <a:fontRef idx="minor">
-            <a:schemeClr val="lt1"/>
-          </a:fontRef>
-        </p:style>
-        <p:txBody>
-          <a:bodyPr rtlCol="0" anchor="ctr"/>
-          <a:lstStyle/>
-          <a:p>
-            <a:pPr algn="ctr"/>
-            <a:r>
-              <a:rPr lang="fi-FI" dirty="0" smtClean="0">
-                <a:solidFill>
-                  <a:srgbClr val="FF0000"/>
-                </a:solidFill>
-              </a:rPr>
-              <a:t>7</a:t>
-            </a:r>
-            <a:endParaRPr lang="en-US" dirty="0">
-              <a:solidFill>
-                <a:srgbClr val="FF0000"/>
-              </a:solidFill>
-            </a:endParaRPr>
-          </a:p>
-        </p:txBody>
-      </p:sp>
-      <p:sp>
-        <p:nvSpPr>
-          <p:cNvPr id="14" name="Oval 13"/>
-          <p:cNvSpPr/>
-          <p:nvPr/>
-        </p:nvSpPr>
-        <p:spPr>
-          <a:xfrm>
-            <a:off x="1331494" y="260685"/>
-            <a:ext cx="320842" cy="328863"/>
-          </a:xfrm>
-          <a:prstGeom prst="ellipse">
-            <a:avLst/>
-          </a:prstGeom>
-          <a:noFill/>
-          <a:ln w="28575">
-            <a:solidFill>
-              <a:srgbClr val="FF0000"/>
-            </a:solidFill>
-          </a:ln>
-        </p:spPr>
-        <p:style>
-          <a:lnRef idx="2">
-            <a:schemeClr val="accent1">
-              <a:shade val="50000"/>
-            </a:schemeClr>
-          </a:lnRef>
-          <a:fillRef idx="1">
-            <a:schemeClr val="accent1"/>
-          </a:fillRef>
-          <a:effectRef idx="0">
-            <a:schemeClr val="accent1"/>
-          </a:effectRef>
-          <a:fontRef idx="minor">
-            <a:schemeClr val="lt1"/>
-          </a:fontRef>
-        </p:style>
-        <p:txBody>
-          <a:bodyPr rtlCol="0" anchor="ctr"/>
-          <a:lstStyle/>
-          <a:p>
-            <a:pPr algn="ctr"/>
-            <a:r>
-              <a:rPr lang="fi-FI" dirty="0" smtClean="0">
-                <a:solidFill>
-                  <a:srgbClr val="FF0000"/>
-                </a:solidFill>
-              </a:rPr>
-              <a:t>8</a:t>
-            </a:r>
-            <a:endParaRPr lang="en-US" dirty="0">
-              <a:solidFill>
-                <a:srgbClr val="FF0000"/>
-              </a:solidFill>
-            </a:endParaRPr>
-          </a:p>
-        </p:txBody>
-      </p:sp>
     </p:spTree>
     <p:extLst>
       <p:ext uri="{BB962C8B-B14F-4D97-AF65-F5344CB8AC3E}">
-        <p14:creationId xmlns:p14="http://schemas.microsoft.com/office/powerpoint/2010/main" val="474368329"/>
+        <p14:creationId xmlns:p14="http://schemas.microsoft.com/office/powerpoint/2010/main" val="3806094576"/>
       </p:ext>
     </p:extLst>
   </p:cSld>
@@ -3517,9 +3116,9 @@
         <a:latin typeface="Calibri Light" panose="020F0302020204030204"/>
         <a:ea typeface=""/>
         <a:cs typeface=""/>
-        <a:font script="Jpan" typeface="ＭＳ Ｐゴシック"/>
+        <a:font script="Jpan" typeface="游ゴシック Light"/>
         <a:font script="Hang" typeface="맑은 고딕"/>
-        <a:font script="Hans" typeface="宋体"/>
+        <a:font script="Hans" typeface="等线 Light"/>
         <a:font script="Hant" typeface="新細明體"/>
         <a:font script="Arab" typeface="Times New Roman"/>
         <a:font script="Hebr" typeface="Times New Roman"/>
@@ -3552,9 +3151,9 @@
         <a:latin typeface="Calibri" panose="020F0502020204030204"/>
         <a:ea typeface=""/>
         <a:cs typeface=""/>
-        <a:font script="Jpan" typeface="ＭＳ Ｐゴシック"/>
+        <a:font script="Jpan" typeface="游ゴシック"/>
         <a:font script="Hang" typeface="맑은 고딕"/>
-        <a:font script="Hans" typeface="宋体"/>
+        <a:font script="Hans" typeface="等线"/>
         <a:font script="Hant" typeface="新細明體"/>
         <a:font script="Arab" typeface="Arial"/>
         <a:font script="Hebr" typeface="Arial"/>

--- a/viite-UI/manual/Presentation1.pptx
+++ b/viite-UI/manual/Presentation1.pptx
@@ -2985,8 +2985,8 @@
         </p:blipFill>
         <p:spPr>
           <a:xfrm>
-            <a:off x="-3033713" y="-1766888"/>
-            <a:ext cx="18259425" cy="10391775"/>
+            <a:off x="70892" y="-1"/>
+            <a:ext cx="12121108" cy="6898346"/>
           </a:xfrm>
           <a:prstGeom prst="rect">
             <a:avLst/>
